--- a/Evento PPT.pptx
+++ b/Evento PPT.pptx
@@ -5708,7 +5708,7 @@
                   </a:outerShdw>
                 </a:effectLst>
               </a:rPr>
-              <a:t>Thanks</a:t>
+              <a:t>Thank You</a:t>
             </a:r>
             <a:endParaRPr lang="en-IN" sz="8800" b="1" u="sng" dirty="0">
               <a:effectLst>
